--- a/ProposalPresentation.pptx
+++ b/ProposalPresentation.pptx
@@ -8,8 +8,8 @@
     <p:sldId id="256" r:id="rId2"/>
     <p:sldId id="257" r:id="rId3"/>
     <p:sldId id="259" r:id="rId4"/>
-    <p:sldId id="258" r:id="rId5"/>
-    <p:sldId id="260" r:id="rId6"/>
+    <p:sldId id="260" r:id="rId5"/>
+    <p:sldId id="258" r:id="rId6"/>
   </p:sldIdLst>
   <p:sldSz cx="12192000" cy="6858000"/>
   <p:notesSz cx="6858000" cy="9144000"/>
@@ -108,6 +108,11 @@
       </a:defRPr>
     </a:lvl9pPr>
   </p:defaultTextStyle>
+  <p:extLst>
+    <p:ext uri="{EFAFB233-063F-42B5-8137-9DF3F51BA10A}">
+      <p15:sldGuideLst xmlns:p15="http://schemas.microsoft.com/office/powerpoint/2012/main"/>
+    </p:ext>
+  </p:extLst>
 </p:presentation>
 </file>
 
@@ -264,7 +269,7 @@
           <a:p>
             <a:fld id="{3D1A59C3-A296-4513-B0F8-C24A2FC8D2FF}" type="datetimeFigureOut">
               <a:rPr lang="en-GB" smtClean="0"/>
-              <a:t>05/11/2017</a:t>
+              <a:t>06/11/2017</a:t>
             </a:fld>
             <a:endParaRPr lang="en-GB"/>
           </a:p>
@@ -464,7 +469,7 @@
           <a:p>
             <a:fld id="{3D1A59C3-A296-4513-B0F8-C24A2FC8D2FF}" type="datetimeFigureOut">
               <a:rPr lang="en-GB" smtClean="0"/>
-              <a:t>05/11/2017</a:t>
+              <a:t>06/11/2017</a:t>
             </a:fld>
             <a:endParaRPr lang="en-GB"/>
           </a:p>
@@ -674,7 +679,7 @@
           <a:p>
             <a:fld id="{3D1A59C3-A296-4513-B0F8-C24A2FC8D2FF}" type="datetimeFigureOut">
               <a:rPr lang="en-GB" smtClean="0"/>
-              <a:t>05/11/2017</a:t>
+              <a:t>06/11/2017</a:t>
             </a:fld>
             <a:endParaRPr lang="en-GB"/>
           </a:p>
@@ -874,7 +879,7 @@
           <a:p>
             <a:fld id="{3D1A59C3-A296-4513-B0F8-C24A2FC8D2FF}" type="datetimeFigureOut">
               <a:rPr lang="en-GB" smtClean="0"/>
-              <a:t>05/11/2017</a:t>
+              <a:t>06/11/2017</a:t>
             </a:fld>
             <a:endParaRPr lang="en-GB"/>
           </a:p>
@@ -1150,7 +1155,7 @@
           <a:p>
             <a:fld id="{3D1A59C3-A296-4513-B0F8-C24A2FC8D2FF}" type="datetimeFigureOut">
               <a:rPr lang="en-GB" smtClean="0"/>
-              <a:t>05/11/2017</a:t>
+              <a:t>06/11/2017</a:t>
             </a:fld>
             <a:endParaRPr lang="en-GB"/>
           </a:p>
@@ -1418,7 +1423,7 @@
           <a:p>
             <a:fld id="{3D1A59C3-A296-4513-B0F8-C24A2FC8D2FF}" type="datetimeFigureOut">
               <a:rPr lang="en-GB" smtClean="0"/>
-              <a:t>05/11/2017</a:t>
+              <a:t>06/11/2017</a:t>
             </a:fld>
             <a:endParaRPr lang="en-GB"/>
           </a:p>
@@ -1833,7 +1838,7 @@
           <a:p>
             <a:fld id="{3D1A59C3-A296-4513-B0F8-C24A2FC8D2FF}" type="datetimeFigureOut">
               <a:rPr lang="en-GB" smtClean="0"/>
-              <a:t>05/11/2017</a:t>
+              <a:t>06/11/2017</a:t>
             </a:fld>
             <a:endParaRPr lang="en-GB"/>
           </a:p>
@@ -1975,7 +1980,7 @@
           <a:p>
             <a:fld id="{3D1A59C3-A296-4513-B0F8-C24A2FC8D2FF}" type="datetimeFigureOut">
               <a:rPr lang="en-GB" smtClean="0"/>
-              <a:t>05/11/2017</a:t>
+              <a:t>06/11/2017</a:t>
             </a:fld>
             <a:endParaRPr lang="en-GB"/>
           </a:p>
@@ -2088,7 +2093,7 @@
           <a:p>
             <a:fld id="{3D1A59C3-A296-4513-B0F8-C24A2FC8D2FF}" type="datetimeFigureOut">
               <a:rPr lang="en-GB" smtClean="0"/>
-              <a:t>05/11/2017</a:t>
+              <a:t>06/11/2017</a:t>
             </a:fld>
             <a:endParaRPr lang="en-GB"/>
           </a:p>
@@ -2401,7 +2406,7 @@
           <a:p>
             <a:fld id="{3D1A59C3-A296-4513-B0F8-C24A2FC8D2FF}" type="datetimeFigureOut">
               <a:rPr lang="en-GB" smtClean="0"/>
-              <a:t>05/11/2017</a:t>
+              <a:t>06/11/2017</a:t>
             </a:fld>
             <a:endParaRPr lang="en-GB"/>
           </a:p>
@@ -2690,7 +2695,7 @@
           <a:p>
             <a:fld id="{3D1A59C3-A296-4513-B0F8-C24A2FC8D2FF}" type="datetimeFigureOut">
               <a:rPr lang="en-GB" smtClean="0"/>
-              <a:t>05/11/2017</a:t>
+              <a:t>06/11/2017</a:t>
             </a:fld>
             <a:endParaRPr lang="en-GB"/>
           </a:p>
@@ -2933,7 +2938,7 @@
           <a:p>
             <a:fld id="{3D1A59C3-A296-4513-B0F8-C24A2FC8D2FF}" type="datetimeFigureOut">
               <a:rPr lang="en-GB" smtClean="0"/>
-              <a:t>05/11/2017</a:t>
+              <a:t>06/11/2017</a:t>
             </a:fld>
             <a:endParaRPr lang="en-GB"/>
           </a:p>
@@ -3373,45 +3378,7 @@
           <a:p>
             <a:r>
               <a:rPr lang="en-GB" dirty="0"/>
-              <a:t>StarCraft AI Custom Bot</a:t>
-            </a:r>
-          </a:p>
-        </p:txBody>
-      </p:sp>
-      <p:sp>
-        <p:nvSpPr>
-          <p:cNvPr id="3" name="Subtitle 2">
-            <a:extLst>
-              <a:ext uri="{FF2B5EF4-FFF2-40B4-BE49-F238E27FC236}">
-                <a16:creationId xmlns:a16="http://schemas.microsoft.com/office/drawing/2014/main" id="{A2FCA60D-25F6-4AE2-A502-76AB35985851}"/>
-              </a:ext>
-            </a:extLst>
-          </p:cNvPr>
-          <p:cNvSpPr>
-            <a:spLocks noGrp="1"/>
-          </p:cNvSpPr>
-          <p:nvPr>
-            <p:ph type="subTitle" idx="1"/>
-          </p:nvPr>
-        </p:nvSpPr>
-        <p:spPr/>
-        <p:txBody>
-          <a:bodyPr/>
-          <a:lstStyle/>
-          <a:p>
-            <a:r>
-              <a:rPr lang="en-GB" dirty="0"/>
-              <a:t>By James Hellman</a:t>
-            </a:r>
-          </a:p>
-          <a:p>
-            <a:r>
-              <a:rPr lang="en-GB" dirty="0">
-                <a:solidFill>
-                  <a:schemeClr val="bg2"/>
-                </a:solidFill>
-              </a:rPr>
-              <a:t>Disclaimer: I have no idea what I’m doing.</a:t>
+              <a:t>StarCraft Bot</a:t>
             </a:r>
           </a:p>
         </p:txBody>
@@ -3905,7 +3872,7 @@
           <p:cNvPr id="2" name="Title 1">
             <a:extLst>
               <a:ext uri="{FF2B5EF4-FFF2-40B4-BE49-F238E27FC236}">
-                <a16:creationId xmlns:a16="http://schemas.microsoft.com/office/drawing/2014/main" id="{0A92504A-B80A-43BA-A222-C284BA768426}"/>
+                <a16:creationId xmlns:a16="http://schemas.microsoft.com/office/drawing/2014/main" id="{D75327CA-A77B-4C81-8A9C-C14EDB91A3EE}"/>
               </a:ext>
             </a:extLst>
           </p:cNvPr>
@@ -3923,7 +3890,7 @@
           <a:p>
             <a:r>
               <a:rPr lang="en-GB" dirty="0"/>
-              <a:t>Key Researchers</a:t>
+              <a:t>Question(s)</a:t>
             </a:r>
           </a:p>
         </p:txBody>
@@ -3933,7 +3900,7 @@
           <p:cNvPr id="3" name="Content Placeholder 2">
             <a:extLst>
               <a:ext uri="{FF2B5EF4-FFF2-40B4-BE49-F238E27FC236}">
-                <a16:creationId xmlns:a16="http://schemas.microsoft.com/office/drawing/2014/main" id="{2656F5E5-8540-4188-A70B-A0D5D2F00EC2}"/>
+                <a16:creationId xmlns:a16="http://schemas.microsoft.com/office/drawing/2014/main" id="{45D7159E-0E0A-44A9-A4A2-AF62061DE7F2}"/>
               </a:ext>
             </a:extLst>
           </p:cNvPr>
@@ -3946,104 +3913,82 @@
         </p:nvSpPr>
         <p:spPr/>
         <p:txBody>
-          <a:bodyPr/>
+          <a:bodyPr>
+            <a:normAutofit lnSpcReduction="10000"/>
+          </a:bodyPr>
           <a:lstStyle/>
           <a:p>
             <a:r>
               <a:rPr lang="en-GB" dirty="0"/>
-              <a:t>Big names in the field:</a:t>
+              <a:t>Areas:</a:t>
             </a:r>
           </a:p>
           <a:p>
             <a:pPr lvl="1"/>
             <a:r>
               <a:rPr lang="en-GB" dirty="0"/>
-              <a:t>David Churchill – Planning &amp; control</a:t>
-            </a:r>
+              <a:t>Combining Behaviour Oriented Design and Expert Human Knowledge to create a competitive AI.</a:t>
+            </a:r>
+          </a:p>
+          <a:p>
+            <a:endParaRPr lang="en-GB" dirty="0">
+              <a:effectLst/>
+            </a:endParaRPr>
           </a:p>
           <a:p>
             <a:pPr lvl="1"/>
             <a:r>
               <a:rPr lang="en-GB" dirty="0"/>
-              <a:t>Ben Weber – Planning, Prediction, control and Human-level</a:t>
+              <a:t>Student led Creation of an adaptive AI using predefined expert strategies. </a:t>
+            </a:r>
+          </a:p>
+          <a:p>
+            <a:r>
+              <a:rPr lang="en-GB" dirty="0">
+                <a:effectLst/>
+              </a:rPr>
+              <a:t>Questions:</a:t>
             </a:r>
           </a:p>
           <a:p>
             <a:pPr lvl="1"/>
             <a:r>
               <a:rPr lang="en-GB" dirty="0"/>
-              <a:t>Michael </a:t>
-            </a:r>
-            <a:r>
-              <a:rPr lang="en-GB" dirty="0" err="1"/>
-              <a:t>Mateas</a:t>
-            </a:r>
+              <a:t>Is an adaptive AI built with predefined expert strategies a viable competitor against competition grade AI’s?</a:t>
+            </a:r>
+          </a:p>
+          <a:p>
+            <a:endParaRPr lang="en-GB" dirty="0">
+              <a:effectLst/>
+            </a:endParaRPr>
+          </a:p>
+          <a:p>
+            <a:pPr lvl="1"/>
             <a:r>
               <a:rPr lang="en-GB" dirty="0"/>
-              <a:t> – Planning, Prediction, control and Human-level </a:t>
-            </a:r>
-          </a:p>
-          <a:p>
-            <a:pPr lvl="1"/>
+              <a:t>How effective can an adaptive AI built with predefined expert strategies be </a:t>
+            </a:r>
+            <a:r>
+              <a:rPr lang="en-GB"/>
+              <a:t>against competition grade </a:t>
+            </a:r>
             <a:r>
               <a:rPr lang="en-GB" dirty="0"/>
-              <a:t>Gabriel </a:t>
-            </a:r>
-            <a:r>
-              <a:rPr lang="en-GB" dirty="0" err="1"/>
-              <a:t>Synnaeve</a:t>
-            </a:r>
-            <a:r>
-              <a:rPr lang="en-GB" dirty="0"/>
-              <a:t> – Datasets &amp; Bayesian</a:t>
-            </a:r>
-          </a:p>
-          <a:p>
-            <a:pPr lvl="1"/>
-            <a:r>
-              <a:rPr lang="en-GB" dirty="0"/>
-              <a:t>Pierre </a:t>
-            </a:r>
-            <a:r>
-              <a:rPr lang="en-GB" dirty="0" err="1"/>
-              <a:t>Bessiere</a:t>
-            </a:r>
-            <a:r>
-              <a:rPr lang="en-GB" dirty="0"/>
-              <a:t> – Datasets &amp; Bayesian</a:t>
-            </a:r>
-          </a:p>
-          <a:p>
-            <a:pPr marL="457200" lvl="1" indent="0">
-              <a:buNone/>
-            </a:pPr>
+              <a:t>AI’s?</a:t>
+            </a:r>
+            <a:endParaRPr lang="en-GB" dirty="0">
+              <a:effectLst/>
+            </a:endParaRPr>
+          </a:p>
+          <a:p>
             <a:endParaRPr lang="en-GB" dirty="0"/>
-          </a:p>
-          <a:p>
-            <a:pPr marL="457200" lvl="1" indent="0">
-              <a:buNone/>
-            </a:pPr>
-            <a:endParaRPr lang="en-GB" dirty="0"/>
-          </a:p>
-          <a:p>
-            <a:pPr marL="457200" lvl="1" indent="0">
-              <a:buNone/>
-            </a:pPr>
-            <a:r>
-              <a:rPr lang="en-GB" dirty="0">
-                <a:solidFill>
-                  <a:schemeClr val="bg2"/>
-                </a:solidFill>
-              </a:rPr>
-              <a:t>Disclaimer: These are just a few that I found during my research, there are plenty more out there.</a:t>
-            </a:r>
           </a:p>
         </p:txBody>
       </p:sp>
     </p:spTree>
     <p:extLst>
       <p:ext uri="{BB962C8B-B14F-4D97-AF65-F5344CB8AC3E}">
-        <p14:creationId xmlns:p14="http://schemas.microsoft.com/office/powerpoint/2010/main" val="1440056366"/>
+        <p14:creationId xmlns:p14="http://schemas.microsoft.com/office/powerpoint/2010/main" val="1738204010"/>
       </p:ext>
     </p:extLst>
   </p:cSld>
@@ -4075,7 +4020,7 @@
           <p:cNvPr id="2" name="Title 1">
             <a:extLst>
               <a:ext uri="{FF2B5EF4-FFF2-40B4-BE49-F238E27FC236}">
-                <a16:creationId xmlns:a16="http://schemas.microsoft.com/office/drawing/2014/main" id="{D75327CA-A77B-4C81-8A9C-C14EDB91A3EE}"/>
+                <a16:creationId xmlns:a16="http://schemas.microsoft.com/office/drawing/2014/main" id="{0A92504A-B80A-43BA-A222-C284BA768426}"/>
               </a:ext>
             </a:extLst>
           </p:cNvPr>
@@ -4093,7 +4038,7 @@
           <a:p>
             <a:r>
               <a:rPr lang="en-GB" dirty="0"/>
-              <a:t>Question(s)</a:t>
+              <a:t>Notable Researchers</a:t>
             </a:r>
           </a:p>
         </p:txBody>
@@ -4103,7 +4048,7 @@
           <p:cNvPr id="3" name="Content Placeholder 2">
             <a:extLst>
               <a:ext uri="{FF2B5EF4-FFF2-40B4-BE49-F238E27FC236}">
-                <a16:creationId xmlns:a16="http://schemas.microsoft.com/office/drawing/2014/main" id="{45D7159E-0E0A-44A9-A4A2-AF62061DE7F2}"/>
+                <a16:creationId xmlns:a16="http://schemas.microsoft.com/office/drawing/2014/main" id="{2656F5E5-8540-4188-A70B-A0D5D2F00EC2}"/>
               </a:ext>
             </a:extLst>
           </p:cNvPr>
@@ -4116,82 +4061,104 @@
         </p:nvSpPr>
         <p:spPr/>
         <p:txBody>
-          <a:bodyPr>
-            <a:normAutofit lnSpcReduction="10000"/>
-          </a:bodyPr>
+          <a:bodyPr/>
           <a:lstStyle/>
           <a:p>
             <a:r>
               <a:rPr lang="en-GB" dirty="0"/>
-              <a:t>Areas:</a:t>
+              <a:t>Big names in the field:</a:t>
             </a:r>
           </a:p>
           <a:p>
             <a:pPr lvl="1"/>
             <a:r>
               <a:rPr lang="en-GB" dirty="0"/>
-              <a:t>Combining Behaviour Oriented Design and Expert Human Knowledge to create a competitive AI.</a:t>
-            </a:r>
-          </a:p>
-          <a:p>
-            <a:endParaRPr lang="en-GB" dirty="0">
-              <a:effectLst/>
-            </a:endParaRPr>
+              <a:t>David Churchill – Planning &amp; control</a:t>
+            </a:r>
           </a:p>
           <a:p>
             <a:pPr lvl="1"/>
             <a:r>
               <a:rPr lang="en-GB" dirty="0"/>
-              <a:t>Student led Creation of an adaptive AI using predefined expert strategies. </a:t>
-            </a:r>
-          </a:p>
-          <a:p>
+              <a:t>Ben Weber – Planning, Prediction, control and Human-level</a:t>
+            </a:r>
+          </a:p>
+          <a:p>
+            <a:pPr lvl="1"/>
+            <a:r>
+              <a:rPr lang="en-GB" dirty="0"/>
+              <a:t>Michael </a:t>
+            </a:r>
+            <a:r>
+              <a:rPr lang="en-GB" dirty="0" err="1"/>
+              <a:t>Mateas</a:t>
+            </a:r>
+            <a:r>
+              <a:rPr lang="en-GB" dirty="0"/>
+              <a:t> – Planning, Prediction, control and Human-level </a:t>
+            </a:r>
+          </a:p>
+          <a:p>
+            <a:pPr lvl="1"/>
+            <a:r>
+              <a:rPr lang="en-GB" dirty="0"/>
+              <a:t>Gabriel </a:t>
+            </a:r>
+            <a:r>
+              <a:rPr lang="en-GB" dirty="0" err="1"/>
+              <a:t>Synnaeve</a:t>
+            </a:r>
+            <a:r>
+              <a:rPr lang="en-GB" dirty="0"/>
+              <a:t> – Datasets &amp; Bayesian</a:t>
+            </a:r>
+          </a:p>
+          <a:p>
+            <a:pPr lvl="1"/>
+            <a:r>
+              <a:rPr lang="en-GB" dirty="0"/>
+              <a:t>Pierre </a:t>
+            </a:r>
+            <a:r>
+              <a:rPr lang="en-GB" dirty="0" err="1"/>
+              <a:t>Bessiere</a:t>
+            </a:r>
+            <a:r>
+              <a:rPr lang="en-GB" dirty="0"/>
+              <a:t> – Datasets &amp; Bayesian</a:t>
+            </a:r>
+          </a:p>
+          <a:p>
+            <a:pPr marL="457200" lvl="1" indent="0">
+              <a:buNone/>
+            </a:pPr>
+            <a:endParaRPr lang="en-GB" dirty="0"/>
+          </a:p>
+          <a:p>
+            <a:pPr marL="457200" lvl="1" indent="0">
+              <a:buNone/>
+            </a:pPr>
+            <a:endParaRPr lang="en-GB" dirty="0"/>
+          </a:p>
+          <a:p>
+            <a:pPr marL="457200" lvl="1" indent="0">
+              <a:buNone/>
+            </a:pPr>
             <a:r>
               <a:rPr lang="en-GB" dirty="0">
-                <a:effectLst/>
+                <a:solidFill>
+                  <a:schemeClr val="bg2"/>
+                </a:solidFill>
               </a:rPr>
-              <a:t>Questions:</a:t>
-            </a:r>
-          </a:p>
-          <a:p>
-            <a:pPr lvl="1"/>
-            <a:r>
-              <a:rPr lang="en-GB" dirty="0"/>
-              <a:t>Is an adaptive AI built with predefined expert strategies a viable competitor against competition grade AI’s?</a:t>
-            </a:r>
-          </a:p>
-          <a:p>
-            <a:endParaRPr lang="en-GB" dirty="0">
-              <a:effectLst/>
-            </a:endParaRPr>
-          </a:p>
-          <a:p>
-            <a:pPr lvl="1"/>
-            <a:r>
-              <a:rPr lang="en-GB" dirty="0"/>
-              <a:t>How effective can an adaptive AI built with predefined expert strategies be </a:t>
-            </a:r>
-            <a:r>
-              <a:rPr lang="en-GB"/>
-              <a:t>against competition grade </a:t>
-            </a:r>
-            <a:r>
-              <a:rPr lang="en-GB" dirty="0"/>
-              <a:t>AI’s?</a:t>
-            </a:r>
-            <a:endParaRPr lang="en-GB" dirty="0">
-              <a:effectLst/>
-            </a:endParaRPr>
-          </a:p>
-          <a:p>
-            <a:endParaRPr lang="en-GB" dirty="0"/>
+              <a:t>Disclaimer: These are just a few that I found during my research, there are plenty more out there.</a:t>
+            </a:r>
           </a:p>
         </p:txBody>
       </p:sp>
     </p:spTree>
     <p:extLst>
       <p:ext uri="{BB962C8B-B14F-4D97-AF65-F5344CB8AC3E}">
-        <p14:creationId xmlns:p14="http://schemas.microsoft.com/office/powerpoint/2010/main" val="1738204010"/>
+        <p14:creationId xmlns:p14="http://schemas.microsoft.com/office/powerpoint/2010/main" val="1440056366"/>
       </p:ext>
     </p:extLst>
   </p:cSld>
